--- a/Microsoft Studios3.pptx
+++ b/Microsoft Studios3.pptx
@@ -13533,13 +13533,7 @@
               <a:rPr lang="en-US" sz="2600" b="1" i="1" dirty="0" smtClean="0">
                 <a:latin typeface="Ubuntu Light" pitchFamily="2"/>
               </a:rPr>
-              <a:t>How should Microsoft Enter</a:t>
-            </a:r>
-            <a:r>
-              <a:rPr lang="en-US" sz="2600" b="1" i="1" dirty="0" smtClean="0">
-                <a:latin typeface="Ubuntu Light" pitchFamily="2"/>
-              </a:rPr>
-              <a:t> </a:t>
+              <a:t>How should Microsoft Enter </a:t>
             </a:r>
             <a:r>
               <a:rPr lang="en-US" sz="2600" b="1" i="1" dirty="0">
@@ -13888,13 +13882,7 @@
               <a:rPr lang="en-US" dirty="0" smtClean="0">
                 <a:latin typeface="+mn-lt"/>
               </a:rPr>
-              <a:t>What types of </a:t>
-            </a:r>
-            <a:r>
-              <a:rPr lang="en-US" dirty="0" smtClean="0">
-                <a:latin typeface="+mn-lt"/>
-              </a:rPr>
-              <a:t>studios</a:t>
+              <a:t>What types of studios</a:t>
             </a:r>
             <a:r>
               <a:rPr lang="en-US" dirty="0">
@@ -13908,9 +13896,6 @@
               </a:rPr>
               <a:t>should Microsoft emulate?</a:t>
             </a:r>
-            <a:endParaRPr lang="en-US" dirty="0" smtClean="0">
-              <a:latin typeface="+mn-lt"/>
-            </a:endParaRPr>
           </a:p>
           <a:p>
             <a:pPr lvl="0"/>
@@ -13918,13 +13903,7 @@
               <a:rPr lang="en-US" dirty="0" smtClean="0">
                 <a:latin typeface="+mn-lt"/>
               </a:rPr>
-              <a:t>producers</a:t>
-            </a:r>
-            <a:r>
-              <a:rPr lang="en-US" dirty="0" smtClean="0">
-                <a:latin typeface="+mn-lt"/>
-              </a:rPr>
-              <a:t>, and directors should Microsoft seek out?</a:t>
+              <a:t>producers, and directors should Microsoft seek out?</a:t>
             </a:r>
           </a:p>
           <a:p>
@@ -13978,9 +13957,6 @@
               </a:rPr>
               <a:t>IMBD</a:t>
             </a:r>
-            <a:endParaRPr lang="en-US" sz="1800" dirty="0" smtClean="0">
-              <a:latin typeface="+mn-lt"/>
-            </a:endParaRPr>
           </a:p>
           <a:p>
             <a:pPr lvl="1"/>
@@ -14280,8 +14256,8 @@
         </p:blipFill>
         <p:spPr>
           <a:xfrm>
-            <a:off x="0" y="1657682"/>
-            <a:ext cx="9164312" cy="4880488"/>
+            <a:off x="89125" y="1447800"/>
+            <a:ext cx="8599239" cy="5029200"/>
           </a:xfrm>
           <a:prstGeom prst="rect">
             <a:avLst/>
@@ -14465,8 +14441,8 @@
         </p:blipFill>
         <p:spPr>
           <a:xfrm>
-            <a:off x="0" y="1925353"/>
-            <a:ext cx="9144000" cy="4330211"/>
+            <a:off x="838200" y="1447800"/>
+            <a:ext cx="8001000" cy="5043463"/>
           </a:xfrm>
           <a:prstGeom prst="rect">
             <a:avLst/>
@@ -14650,8 +14626,8 @@
         </p:blipFill>
         <p:spPr>
           <a:xfrm>
-            <a:off x="304800" y="1524000"/>
-            <a:ext cx="8485413" cy="5165034"/>
+            <a:off x="860124" y="1524000"/>
+            <a:ext cx="7838013" cy="4876800"/>
           </a:xfrm>
           <a:prstGeom prst="rect">
             <a:avLst/>
@@ -14835,8 +14811,8 @@
         </p:blipFill>
         <p:spPr>
           <a:xfrm>
-            <a:off x="506966" y="1524000"/>
-            <a:ext cx="7841253" cy="4249453"/>
+            <a:off x="732099" y="1524000"/>
+            <a:ext cx="7390987" cy="4249453"/>
           </a:xfrm>
           <a:prstGeom prst="rect">
             <a:avLst/>
@@ -14852,7 +14828,7 @@
         <p:spPr>
           <a:xfrm>
             <a:off x="2590800" y="5832187"/>
-            <a:ext cx="4803110" cy="584775"/>
+            <a:ext cx="3636060" cy="461665"/>
           </a:xfrm>
           <a:prstGeom prst="rect">
             <a:avLst/>
@@ -14866,22 +14842,22 @@
           <a:lstStyle/>
           <a:p>
             <a:r>
-              <a:rPr lang="en-US" sz="3200" dirty="0" smtClean="0"/>
+              <a:rPr lang="en-US" sz="2400" dirty="0" smtClean="0"/>
               <a:t>Outlier: Travis </a:t>
             </a:r>
             <a:r>
-              <a:rPr lang="en-US" sz="3200" dirty="0" err="1" smtClean="0"/>
+              <a:rPr lang="en-US" sz="2400" dirty="0" err="1" smtClean="0"/>
               <a:t>Cluff</a:t>
             </a:r>
             <a:r>
-              <a:rPr lang="en-US" sz="3200" dirty="0"/>
+              <a:rPr lang="en-US" sz="2400" dirty="0"/>
               <a:t> </a:t>
             </a:r>
             <a:r>
-              <a:rPr lang="en-US" sz="3200" dirty="0" smtClean="0"/>
+              <a:rPr lang="en-US" sz="2400" dirty="0" smtClean="0"/>
               <a:t>: 415.56</a:t>
             </a:r>
-            <a:endParaRPr lang="en-US" sz="3200" dirty="0"/>
+            <a:endParaRPr lang="en-US" sz="2400" dirty="0"/>
           </a:p>
         </p:txBody>
       </p:sp>
@@ -14952,8 +14928,8 @@
         </p:blipFill>
         <p:spPr>
           <a:xfrm>
-            <a:off x="0" y="1752600"/>
-            <a:ext cx="9144000" cy="4546458"/>
+            <a:off x="381000" y="1582476"/>
+            <a:ext cx="8395410" cy="4894524"/>
           </a:xfrm>
           <a:prstGeom prst="rect">
             <a:avLst/>
@@ -15062,19 +15038,7 @@
               <a:rPr lang="en-US" sz="4400" dirty="0" smtClean="0">
                 <a:latin typeface="+mj-lt"/>
               </a:rPr>
-              <a:t>Size </a:t>
-            </a:r>
-            <a:r>
-              <a:rPr lang="en-US" sz="4400" dirty="0" smtClean="0">
-                <a:latin typeface="+mj-lt"/>
-              </a:rPr>
-              <a:t>of </a:t>
-            </a:r>
-            <a:r>
-              <a:rPr lang="en-US" sz="4400" dirty="0" smtClean="0">
-                <a:latin typeface="+mj-lt"/>
-              </a:rPr>
-              <a:t>director filmography</a:t>
+              <a:t>Size of director filmography</a:t>
             </a:r>
             <a:endParaRPr lang="en-US" sz="4400" dirty="0">
               <a:latin typeface="+mj-lt"/>
@@ -15176,19 +15140,7 @@
               <a:rPr lang="en-US" dirty="0" smtClean="0">
                 <a:latin typeface="+mj-lt"/>
               </a:rPr>
-              <a:t>Instead of focusing on overall returns, </a:t>
-            </a:r>
-            <a:r>
-              <a:rPr lang="en-US" dirty="0" smtClean="0">
-                <a:latin typeface="+mj-lt"/>
-              </a:rPr>
-              <a:t>focus </a:t>
-            </a:r>
-            <a:r>
-              <a:rPr lang="en-US" dirty="0" smtClean="0">
-                <a:latin typeface="+mj-lt"/>
-              </a:rPr>
-              <a:t>on ROI.</a:t>
+              <a:t>Instead of focusing on overall returns, focus on ROI.</a:t>
             </a:r>
           </a:p>
           <a:p>

--- a/Microsoft Studios3.pptx
+++ b/Microsoft Studios3.pptx
@@ -14257,7 +14257,7 @@
         <p:spPr>
           <a:xfrm>
             <a:off x="89125" y="1447800"/>
-            <a:ext cx="8599239" cy="5029200"/>
+            <a:ext cx="8599239" cy="5029199"/>
           </a:xfrm>
           <a:prstGeom prst="rect">
             <a:avLst/>

--- a/Microsoft Studios3.pptx
+++ b/Microsoft Studios3.pptx
@@ -8,7 +8,7 @@
     <p:sldMasterId id="2147483696" r:id="rId4"/>
   </p:sldMasterIdLst>
   <p:notesMasterIdLst>
-    <p:notesMasterId r:id="rId13"/>
+    <p:notesMasterId r:id="rId14"/>
   </p:notesMasterIdLst>
   <p:sldIdLst>
     <p:sldId id="260" r:id="rId5"/>
@@ -19,6 +19,7 @@
     <p:sldId id="267" r:id="rId10"/>
     <p:sldId id="268" r:id="rId11"/>
     <p:sldId id="269" r:id="rId12"/>
+    <p:sldId id="270" r:id="rId13"/>
   </p:sldIdLst>
   <p:sldSz cx="9144000" cy="6858000" type="screen4x3"/>
   <p:notesSz cx="6858000" cy="9144000"/>
@@ -13463,7 +13464,7 @@
         <p:spPr>
           <a:xfrm>
             <a:off x="421415" y="4732223"/>
-            <a:ext cx="7640297" cy="1194301"/>
+            <a:ext cx="7629461" cy="1194301"/>
           </a:xfrm>
         </p:spPr>
         <p:txBody>
@@ -13533,13 +13534,43 @@
               <a:rPr lang="en-US" sz="2600" b="1" i="1" dirty="0" smtClean="0">
                 <a:latin typeface="Ubuntu Light" pitchFamily="2"/>
               </a:rPr>
-              <a:t>How should Microsoft Enter </a:t>
+              <a:t>How should Microsoft </a:t>
+            </a:r>
+            <a:r>
+              <a:rPr lang="en-US" sz="2600" b="1" i="1" dirty="0" smtClean="0">
+                <a:latin typeface="Ubuntu Light" pitchFamily="2"/>
+              </a:rPr>
+              <a:t>enter </a:t>
             </a:r>
             <a:r>
               <a:rPr lang="en-US" sz="2600" b="1" i="1" dirty="0">
                 <a:latin typeface="Ubuntu Light" pitchFamily="2"/>
               </a:rPr>
-              <a:t>the Movie Business?</a:t>
+              <a:t>the </a:t>
+            </a:r>
+            <a:r>
+              <a:rPr lang="en-US" sz="2600" b="1" i="1" dirty="0" smtClean="0">
+                <a:latin typeface="Ubuntu Light" pitchFamily="2"/>
+              </a:rPr>
+              <a:t>movie </a:t>
+            </a:r>
+            <a:r>
+              <a:rPr lang="en-US" sz="2600" b="1" i="1" dirty="0">
+                <a:latin typeface="Ubuntu Light" pitchFamily="2"/>
+              </a:rPr>
+              <a:t>b</a:t>
+            </a:r>
+            <a:r>
+              <a:rPr lang="en-US" sz="2600" b="1" i="1" dirty="0" smtClean="0">
+                <a:latin typeface="Ubuntu Light" pitchFamily="2"/>
+              </a:rPr>
+              <a:t>usiness</a:t>
+            </a:r>
+            <a:r>
+              <a:rPr lang="en-US" sz="2600" b="1" i="1" dirty="0">
+                <a:latin typeface="Ubuntu Light" pitchFamily="2"/>
+              </a:rPr>
+              <a:t>?</a:t>
             </a:r>
           </a:p>
           <a:p>
@@ -13900,10 +13931,16 @@
           <a:p>
             <a:pPr lvl="0"/>
             <a:r>
+              <a:rPr lang="en-US" smtClean="0">
+                <a:latin typeface="+mn-lt"/>
+              </a:rPr>
+              <a:t>Which directors </a:t>
+            </a:r>
+            <a:r>
               <a:rPr lang="en-US" dirty="0" smtClean="0">
                 <a:latin typeface="+mn-lt"/>
               </a:rPr>
-              <a:t>producers, and directors should Microsoft seek out?</a:t>
+              <a:t>should Microsoft seek out?</a:t>
             </a:r>
           </a:p>
           <a:p>
@@ -15176,6 +15213,102 @@
     <p:extLst>
       <p:ext uri="{BB962C8B-B14F-4D97-AF65-F5344CB8AC3E}">
         <p14:creationId xmlns:p14="http://schemas.microsoft.com/office/powerpoint/2010/main" val="154005293"/>
+      </p:ext>
+    </p:extLst>
+  </p:cSld>
+  <p:clrMapOvr>
+    <a:masterClrMapping/>
+  </p:clrMapOvr>
+  <mc:AlternateContent xmlns:mc="http://schemas.openxmlformats.org/markup-compatibility/2006" xmlns:p14="http://schemas.microsoft.com/office/powerpoint/2010/main">
+    <mc:Choice Requires="p14">
+      <p:transition spd="slow" p14:dur="2000"/>
+    </mc:Choice>
+    <mc:Fallback xmlns="">
+      <p:transition spd="slow"/>
+    </mc:Fallback>
+  </mc:AlternateContent>
+  <p:timing>
+    <p:tnLst>
+      <p:par>
+        <p:cTn id="1" dur="indefinite" restart="never" nodeType="tmRoot"/>
+      </p:par>
+    </p:tnLst>
+  </p:timing>
+</p:sld>
+</file>
+
+<file path=ppt/slides/slide9.xml><?xml version="1.0" encoding="utf-8"?>
+<p:sld xmlns:a="http://schemas.openxmlformats.org/drawingml/2006/main" xmlns:r="http://schemas.openxmlformats.org/officeDocument/2006/relationships" xmlns:p="http://schemas.openxmlformats.org/presentationml/2006/main">
+  <p:cSld>
+    <p:spTree>
+      <p:nvGrpSpPr>
+        <p:cNvPr id="1" name=""/>
+        <p:cNvGrpSpPr/>
+        <p:nvPr/>
+      </p:nvGrpSpPr>
+      <p:grpSpPr>
+        <a:xfrm>
+          <a:off x="0" y="0"/>
+          <a:ext cx="0" cy="0"/>
+          <a:chOff x="0" y="0"/>
+          <a:chExt cx="0" cy="0"/>
+        </a:xfrm>
+      </p:grpSpPr>
+      <p:sp>
+        <p:nvSpPr>
+          <p:cNvPr id="2" name="Title 1"/>
+          <p:cNvSpPr>
+            <a:spLocks noGrp="1"/>
+          </p:cNvSpPr>
+          <p:nvPr>
+            <p:ph type="title"/>
+          </p:nvPr>
+        </p:nvSpPr>
+        <p:spPr/>
+        <p:txBody>
+          <a:bodyPr/>
+          <a:lstStyle/>
+          <a:p>
+            <a:r>
+              <a:rPr lang="en-US" dirty="0" smtClean="0"/>
+              <a:t>Next Steps:</a:t>
+            </a:r>
+            <a:endParaRPr lang="en-US" dirty="0"/>
+          </a:p>
+        </p:txBody>
+      </p:sp>
+      <p:sp>
+        <p:nvSpPr>
+          <p:cNvPr id="3" name="Content Placeholder 2"/>
+          <p:cNvSpPr>
+            <a:spLocks noGrp="1"/>
+          </p:cNvSpPr>
+          <p:nvPr>
+            <p:ph idx="1"/>
+          </p:nvPr>
+        </p:nvSpPr>
+        <p:spPr/>
+        <p:txBody>
+          <a:bodyPr/>
+          <a:lstStyle/>
+          <a:p>
+            <a:r>
+              <a:rPr lang="en-US" dirty="0" smtClean="0"/>
+              <a:t>Research how the listed studios and directors are able to produce profitable, low-budget movies.</a:t>
+            </a:r>
+          </a:p>
+          <a:p>
+            <a:r>
+              <a:rPr lang="en-US" dirty="0" smtClean="0"/>
+              <a:t>Research the roll of home distribution  in low-budget films.</a:t>
+            </a:r>
+          </a:p>
+        </p:txBody>
+      </p:sp>
+    </p:spTree>
+    <p:extLst>
+      <p:ext uri="{BB962C8B-B14F-4D97-AF65-F5344CB8AC3E}">
+        <p14:creationId xmlns:p14="http://schemas.microsoft.com/office/powerpoint/2010/main" val="3169561267"/>
       </p:ext>
     </p:extLst>
   </p:cSld>

--- a/Microsoft Studios3.pptx
+++ b/Microsoft Studios3.pptx
@@ -13534,13 +13534,7 @@
               <a:rPr lang="en-US" sz="2600" b="1" i="1" dirty="0" smtClean="0">
                 <a:latin typeface="Ubuntu Light" pitchFamily="2"/>
               </a:rPr>
-              <a:t>How should Microsoft </a:t>
-            </a:r>
-            <a:r>
-              <a:rPr lang="en-US" sz="2600" b="1" i="1" dirty="0" smtClean="0">
-                <a:latin typeface="Ubuntu Light" pitchFamily="2"/>
-              </a:rPr>
-              <a:t>enter </a:t>
+              <a:t>How should Microsoft enter </a:t>
             </a:r>
             <a:r>
               <a:rPr lang="en-US" sz="2600" b="1" i="1" dirty="0">
